--- a/webscrapping-doctorsProfile/WebScrapping.pptx
+++ b/webscrapping-doctorsProfile/WebScrapping.pptx
@@ -5,9 +5,7 @@
     <p:sldMasterId id="2147483725" r:id="rId1"/>
   </p:sldMasterIdLst>
   <p:sldIdLst>
-    <p:sldId id="256" r:id="rId2"/>
-    <p:sldId id="257" r:id="rId3"/>
-    <p:sldId id="258" r:id="rId4"/>
+    <p:sldId id="257" r:id="rId2"/>
   </p:sldIdLst>
   <p:sldSz cx="12192000" cy="6858000"/>
   <p:notesSz cx="6858000" cy="9144000"/>
@@ -3415,14 +3413,6 @@
 <file path=ppt/slides/slide1.xml><?xml version="1.0" encoding="utf-8"?>
 <p:sld xmlns:a="http://schemas.openxmlformats.org/drawingml/2006/main" xmlns:r="http://schemas.openxmlformats.org/officeDocument/2006/relationships" xmlns:p="http://schemas.openxmlformats.org/presentationml/2006/main">
   <p:cSld>
-    <p:bg>
-      <p:bgPr>
-        <a:solidFill>
-          <a:schemeClr val="bg1"/>
-        </a:solidFill>
-        <a:effectLst/>
-      </p:bgPr>
-    </p:bg>
     <p:spTree>
       <p:nvGrpSpPr>
         <p:cNvPr id="1" name=""/>
@@ -3437,389 +3427,60 @@
           <a:chExt cx="0" cy="0"/>
         </a:xfrm>
       </p:grpSpPr>
-      <p:sp useBgFill="1">
-        <p:nvSpPr>
-          <p:cNvPr id="9" name="Rectangle 8">
-            <a:extLst>
-              <a:ext uri="{FF2B5EF4-FFF2-40B4-BE49-F238E27FC236}">
-                <a16:creationId xmlns:a16="http://schemas.microsoft.com/office/drawing/2014/main" id="{33E93247-6229-44AB-A550-739E971E690B}"/>
-              </a:ext>
-              <a:ext uri="{C183D7F6-B498-43B3-948B-1728B52AA6E4}">
-                <adec:decorative xmlns:adec="http://schemas.microsoft.com/office/drawing/2017/decorative" val="1"/>
-              </a:ext>
-            </a:extLst>
-          </p:cNvPr>
-          <p:cNvSpPr>
-            <a:spLocks noGrp="1" noRot="1" noChangeAspect="1" noMove="1" noResize="1" noEditPoints="1" noAdjustHandles="1" noChangeArrowheads="1" noChangeShapeType="1" noTextEdit="1"/>
-          </p:cNvSpPr>
-          <p:nvPr>
-            <p:extLst>
-              <p:ext uri="{386F3935-93C4-4BCD-93E2-E3B085C9AB24}">
-                <p16:designElem xmlns:p16="http://schemas.microsoft.com/office/powerpoint/2015/main" val="1"/>
-              </p:ext>
-            </p:extLst>
-          </p:nvPr>
-        </p:nvSpPr>
-        <p:spPr>
-          <a:xfrm>
-            <a:off x="0" y="0"/>
-            <a:ext cx="12192000" cy="6858000"/>
-          </a:xfrm>
-          <a:prstGeom prst="rect">
-            <a:avLst/>
-          </a:prstGeom>
-          <a:ln w="12700" cap="flat" cmpd="sng" algn="ctr">
-            <a:noFill/>
-            <a:prstDash val="solid"/>
-            <a:miter lim="800000"/>
-          </a:ln>
-          <a:effectLst/>
-          <a:extLst>
-            <a:ext uri="{91240B29-F687-4F45-9708-019B960494DF}">
-              <a14:hiddenLine xmlns:a14="http://schemas.microsoft.com/office/drawing/2010/main" w="12700" cap="flat" cmpd="sng" algn="ctr">
-                <a:solidFill>
-                  <a:schemeClr val="accent1">
-                    <a:shade val="50000"/>
-                  </a:schemeClr>
-                </a:solidFill>
-                <a:prstDash val="solid"/>
-                <a:miter lim="800000"/>
-              </a14:hiddenLine>
-            </a:ext>
-          </a:extLst>
-        </p:spPr>
-        <p:style>
-          <a:lnRef idx="2">
-            <a:schemeClr val="accent1">
-              <a:shade val="50000"/>
-            </a:schemeClr>
-          </a:lnRef>
-          <a:fillRef idx="1">
-            <a:schemeClr val="accent1"/>
-          </a:fillRef>
-          <a:effectRef idx="0">
-            <a:schemeClr val="accent1"/>
-          </a:effectRef>
-          <a:fontRef idx="minor">
-            <a:schemeClr val="lt1"/>
-          </a:fontRef>
-        </p:style>
-        <p:txBody>
-          <a:bodyPr rtlCol="0" anchor="ctr"/>
-          <a:lstStyle/>
-          <a:p>
-            <a:pPr algn="ctr"/>
-            <a:endParaRPr lang="en-US"/>
-          </a:p>
-        </p:txBody>
-      </p:sp>
-      <p:sp>
-        <p:nvSpPr>
-          <p:cNvPr id="11" name="Rectangle 10">
-            <a:extLst>
-              <a:ext uri="{FF2B5EF4-FFF2-40B4-BE49-F238E27FC236}">
-                <a16:creationId xmlns:a16="http://schemas.microsoft.com/office/drawing/2014/main" id="{A5D67320-FCFD-4931-AAF7-C6C853329C7F}"/>
-              </a:ext>
-              <a:ext uri="{C183D7F6-B498-43B3-948B-1728B52AA6E4}">
-                <adec:decorative xmlns:adec="http://schemas.microsoft.com/office/drawing/2017/decorative" val="1"/>
-              </a:ext>
-            </a:extLst>
-          </p:cNvPr>
-          <p:cNvSpPr>
-            <a:spLocks noGrp="1" noRot="1" noChangeAspect="1" noMove="1" noResize="1" noEditPoints="1" noAdjustHandles="1" noChangeArrowheads="1" noChangeShapeType="1" noTextEdit="1"/>
-          </p:cNvSpPr>
-          <p:nvPr>
-            <p:extLst>
-              <p:ext uri="{386F3935-93C4-4BCD-93E2-E3B085C9AB24}">
-                <p16:designElem xmlns:p16="http://schemas.microsoft.com/office/powerpoint/2015/main" val="1"/>
-              </p:ext>
-            </p:extLst>
-          </p:nvPr>
-        </p:nvSpPr>
-        <p:spPr>
-          <a:xfrm>
-            <a:off x="0" y="0"/>
-            <a:ext cx="12192000" cy="6858000"/>
-          </a:xfrm>
-          <a:prstGeom prst="rect">
-            <a:avLst/>
-          </a:prstGeom>
-          <a:solidFill>
-            <a:schemeClr val="tx1"/>
-          </a:solidFill>
-          <a:ln w="12700" cap="flat" cmpd="sng" algn="ctr">
-            <a:noFill/>
-            <a:prstDash val="solid"/>
-            <a:miter lim="800000"/>
-          </a:ln>
-          <a:effectLst/>
-        </p:spPr>
-        <p:style>
-          <a:lnRef idx="2">
-            <a:schemeClr val="accent1">
-              <a:shade val="50000"/>
-            </a:schemeClr>
-          </a:lnRef>
-          <a:fillRef idx="1">
-            <a:schemeClr val="accent1"/>
-          </a:fillRef>
-          <a:effectRef idx="0">
-            <a:schemeClr val="accent1"/>
-          </a:effectRef>
-          <a:fontRef idx="minor">
-            <a:schemeClr val="lt1"/>
-          </a:fontRef>
-        </p:style>
-        <p:txBody>
-          <a:bodyPr rtlCol="0" anchor="ctr"/>
-          <a:lstStyle/>
-          <a:p>
-            <a:pPr algn="ctr"/>
-            <a:endParaRPr lang="en-US"/>
-          </a:p>
-        </p:txBody>
-      </p:sp>
       <p:sp>
         <p:nvSpPr>
           <p:cNvPr id="2" name="Title 1">
             <a:extLst>
               <a:ext uri="{FF2B5EF4-FFF2-40B4-BE49-F238E27FC236}">
-                <a16:creationId xmlns:a16="http://schemas.microsoft.com/office/drawing/2014/main" id="{A3B01EB0-BB52-DB6F-00B2-BA6F4997459F}"/>
-              </a:ext>
-            </a:extLst>
-          </p:cNvPr>
-          <p:cNvSpPr>
-            <a:spLocks noGrp="1"/>
-          </p:cNvSpPr>
-          <p:nvPr>
-            <p:ph type="ctrTitle"/>
-          </p:nvPr>
-        </p:nvSpPr>
-        <p:spPr>
-          <a:xfrm>
-            <a:off x="685800" y="908651"/>
-            <a:ext cx="3620882" cy="3640345"/>
-          </a:xfrm>
-        </p:spPr>
-        <p:txBody>
-          <a:bodyPr anchor="t">
+                <a16:creationId xmlns:a16="http://schemas.microsoft.com/office/drawing/2014/main" id="{5F1ECC43-47D4-BB90-72C9-44725AA6DDFA}"/>
+              </a:ext>
+            </a:extLst>
+          </p:cNvPr>
+          <p:cNvSpPr>
+            <a:spLocks noGrp="1"/>
+          </p:cNvSpPr>
+          <p:nvPr>
+            <p:ph type="title"/>
+          </p:nvPr>
+        </p:nvSpPr>
+        <p:spPr/>
+        <p:txBody>
+          <a:bodyPr/>
+          <a:lstStyle/>
+          <a:p>
+            <a:r>
+              <a:rPr lang="en-US" dirty="0"/>
+              <a:t>Web Scrapping</a:t>
+            </a:r>
+          </a:p>
+        </p:txBody>
+      </p:sp>
+      <p:sp>
+        <p:nvSpPr>
+          <p:cNvPr id="3" name="Content Placeholder 2">
+            <a:extLst>
+              <a:ext uri="{FF2B5EF4-FFF2-40B4-BE49-F238E27FC236}">
+                <a16:creationId xmlns:a16="http://schemas.microsoft.com/office/drawing/2014/main" id="{FEA05D9E-BF04-7EAC-9F08-84DFB4A686C3}"/>
+              </a:ext>
+            </a:extLst>
+          </p:cNvPr>
+          <p:cNvSpPr>
+            <a:spLocks noGrp="1"/>
+          </p:cNvSpPr>
+          <p:nvPr>
+            <p:ph idx="1"/>
+          </p:nvPr>
+        </p:nvSpPr>
+        <p:spPr/>
+        <p:txBody>
+          <a:bodyPr>
             <a:normAutofit/>
           </a:bodyPr>
           <a:lstStyle/>
           <a:p>
-            <a:endParaRPr lang="en-US" sz="4000" dirty="0">
-              <a:solidFill>
-                <a:schemeClr val="bg1"/>
-              </a:solidFill>
-            </a:endParaRPr>
-          </a:p>
-        </p:txBody>
-      </p:sp>
-      <p:sp>
-        <p:nvSpPr>
-          <p:cNvPr id="3" name="Subtitle 2">
-            <a:extLst>
-              <a:ext uri="{FF2B5EF4-FFF2-40B4-BE49-F238E27FC236}">
-                <a16:creationId xmlns:a16="http://schemas.microsoft.com/office/drawing/2014/main" id="{4D70AE13-2D2E-4FC4-B309-A9BD07F33596}"/>
-              </a:ext>
-            </a:extLst>
-          </p:cNvPr>
-          <p:cNvSpPr>
-            <a:spLocks noGrp="1"/>
-          </p:cNvSpPr>
-          <p:nvPr>
-            <p:ph type="subTitle" idx="1"/>
-          </p:nvPr>
-        </p:nvSpPr>
-        <p:spPr>
-          <a:xfrm>
-            <a:off x="705934" y="5220450"/>
-            <a:ext cx="3380437" cy="570748"/>
-          </a:xfrm>
-        </p:spPr>
-        <p:txBody>
-          <a:bodyPr anchor="b">
-            <a:normAutofit/>
-          </a:bodyPr>
-          <a:lstStyle/>
-          <a:p>
-            <a:endParaRPr lang="en-US" sz="1800">
-              <a:solidFill>
-                <a:schemeClr val="bg1"/>
-              </a:solidFill>
-            </a:endParaRPr>
-          </a:p>
-        </p:txBody>
-      </p:sp>
-      <p:cxnSp>
-        <p:nvCxnSpPr>
-          <p:cNvPr id="13" name="Straight Connector 12">
-            <a:extLst>
-              <a:ext uri="{FF2B5EF4-FFF2-40B4-BE49-F238E27FC236}">
-                <a16:creationId xmlns:a16="http://schemas.microsoft.com/office/drawing/2014/main" id="{EE2E603F-4A95-4FE8-BB06-211DFD75DBEF}"/>
-              </a:ext>
-              <a:ext uri="{C183D7F6-B498-43B3-948B-1728B52AA6E4}">
-                <adec:decorative xmlns:adec="http://schemas.microsoft.com/office/drawing/2017/decorative" val="1"/>
-              </a:ext>
-            </a:extLst>
-          </p:cNvPr>
-          <p:cNvCxnSpPr>
-            <a:cxnSpLocks noGrp="1" noRot="1" noChangeAspect="1" noMove="1" noResize="1" noEditPoints="1" noAdjustHandles="1" noChangeArrowheads="1" noChangeShapeType="1"/>
-          </p:cNvCxnSpPr>
-          <p:nvPr>
-            <p:extLst>
-              <p:ext uri="{386F3935-93C4-4BCD-93E2-E3B085C9AB24}">
-                <p16:designElem xmlns:p16="http://schemas.microsoft.com/office/powerpoint/2015/main" val="1"/>
-              </p:ext>
-            </p:extLst>
-          </p:nvPr>
-        </p:nvCxnSpPr>
-        <p:spPr>
-          <a:xfrm>
-            <a:off x="800100" y="723900"/>
-            <a:ext cx="1638300" cy="0"/>
-          </a:xfrm>
-          <a:prstGeom prst="line">
-            <a:avLst/>
-          </a:prstGeom>
-          <a:ln w="44450">
-            <a:solidFill>
-              <a:schemeClr val="bg1"/>
-            </a:solidFill>
-          </a:ln>
-        </p:spPr>
-        <p:style>
-          <a:lnRef idx="1">
-            <a:schemeClr val="accent1"/>
-          </a:lnRef>
-          <a:fillRef idx="0">
-            <a:schemeClr val="accent1"/>
-          </a:fillRef>
-          <a:effectRef idx="0">
-            <a:schemeClr val="accent1"/>
-          </a:effectRef>
-          <a:fontRef idx="minor">
-            <a:schemeClr val="tx1"/>
-          </a:fontRef>
-        </p:style>
-      </p:cxnSp>
-      <p:pic>
-        <p:nvPicPr>
-          <p:cNvPr id="4" name="Picture 3" descr="An abstract burst of blue and pink">
-            <a:extLst>
-              <a:ext uri="{FF2B5EF4-FFF2-40B4-BE49-F238E27FC236}">
-                <a16:creationId xmlns:a16="http://schemas.microsoft.com/office/drawing/2014/main" id="{1C4DF8B0-DEB9-6FDA-E30C-94D35FCC11B8}"/>
-              </a:ext>
-            </a:extLst>
-          </p:cNvPr>
-          <p:cNvPicPr>
-            <a:picLocks noChangeAspect="1"/>
-          </p:cNvPicPr>
-          <p:nvPr/>
-        </p:nvPicPr>
-        <p:blipFill rotWithShape="1">
-          <a:blip r:embed="rId2"/>
-          <a:srcRect l="20737" r="19258"/>
-          <a:stretch/>
-        </p:blipFill>
-        <p:spPr>
-          <a:xfrm>
-            <a:off x="4876158" y="10"/>
-            <a:ext cx="7315841" cy="6857990"/>
-          </a:xfrm>
-          <a:prstGeom prst="rect">
-            <a:avLst/>
-          </a:prstGeom>
-        </p:spPr>
-      </p:pic>
-    </p:spTree>
-    <p:extLst>
-      <p:ext uri="{BB962C8B-B14F-4D97-AF65-F5344CB8AC3E}">
-        <p14:creationId xmlns:p14="http://schemas.microsoft.com/office/powerpoint/2010/main" val="82804296"/>
-      </p:ext>
-    </p:extLst>
-  </p:cSld>
-  <p:clrMapOvr>
-    <a:masterClrMapping/>
-  </p:clrMapOvr>
-</p:sld>
-</file>
-
-<file path=ppt/slides/slide2.xml><?xml version="1.0" encoding="utf-8"?>
-<p:sld xmlns:a="http://schemas.openxmlformats.org/drawingml/2006/main" xmlns:r="http://schemas.openxmlformats.org/officeDocument/2006/relationships" xmlns:p="http://schemas.openxmlformats.org/presentationml/2006/main">
-  <p:cSld>
-    <p:spTree>
-      <p:nvGrpSpPr>
-        <p:cNvPr id="1" name=""/>
-        <p:cNvGrpSpPr/>
-        <p:nvPr/>
-      </p:nvGrpSpPr>
-      <p:grpSpPr>
-        <a:xfrm>
-          <a:off x="0" y="0"/>
-          <a:ext cx="0" cy="0"/>
-          <a:chOff x="0" y="0"/>
-          <a:chExt cx="0" cy="0"/>
-        </a:xfrm>
-      </p:grpSpPr>
-      <p:sp>
-        <p:nvSpPr>
-          <p:cNvPr id="2" name="Title 1">
-            <a:extLst>
-              <a:ext uri="{FF2B5EF4-FFF2-40B4-BE49-F238E27FC236}">
-                <a16:creationId xmlns:a16="http://schemas.microsoft.com/office/drawing/2014/main" id="{5F1ECC43-47D4-BB90-72C9-44725AA6DDFA}"/>
-              </a:ext>
-            </a:extLst>
-          </p:cNvPr>
-          <p:cNvSpPr>
-            <a:spLocks noGrp="1"/>
-          </p:cNvSpPr>
-          <p:nvPr>
-            <p:ph type="title"/>
-          </p:nvPr>
-        </p:nvSpPr>
-        <p:spPr/>
-        <p:txBody>
-          <a:bodyPr/>
-          <a:lstStyle/>
-          <a:p>
-            <a:r>
-              <a:rPr lang="en-US" dirty="0"/>
-              <a:t>Web Scrapping</a:t>
-            </a:r>
-          </a:p>
-        </p:txBody>
-      </p:sp>
-      <p:sp>
-        <p:nvSpPr>
-          <p:cNvPr id="3" name="Content Placeholder 2">
-            <a:extLst>
-              <a:ext uri="{FF2B5EF4-FFF2-40B4-BE49-F238E27FC236}">
-                <a16:creationId xmlns:a16="http://schemas.microsoft.com/office/drawing/2014/main" id="{FEA05D9E-BF04-7EAC-9F08-84DFB4A686C3}"/>
-              </a:ext>
-            </a:extLst>
-          </p:cNvPr>
-          <p:cNvSpPr>
-            <a:spLocks noGrp="1"/>
-          </p:cNvSpPr>
-          <p:nvPr>
-            <p:ph idx="1"/>
-          </p:nvPr>
-        </p:nvSpPr>
-        <p:spPr/>
-        <p:txBody>
-          <a:bodyPr/>
-          <a:lstStyle/>
-          <a:p>
-            <a:r>
-              <a:rPr lang="en-US" dirty="0"/>
-              <a:t>We use web crawling technique to extract the profiles of doctors from the website of doctors database. The data will be used as the content of database for our project.</a:t>
-            </a:r>
-          </a:p>
-          <a:p>
-            <a:r>
-              <a:rPr lang="en-US" dirty="0"/>
-              <a:t>Using </a:t>
+            <a:r>
+              <a:rPr lang="en-US" dirty="0"/>
+              <a:t>We use web crawling technique to extract the profiles of doctors from the website of doctors database. Using </a:t>
             </a:r>
             <a:r>
               <a:rPr lang="en-US" dirty="0" err="1"/>
@@ -3827,22 +3488,23 @@
             </a:r>
             <a:r>
               <a:rPr lang="en-US" dirty="0"/>
-              <a:t> object, we extracts the essential information of each doctor by selecting the corresponding tags.</a:t>
-            </a:r>
-          </a:p>
-          <a:p>
-            <a:r>
-              <a:rPr lang="en-US" dirty="0"/>
-              <a:t>For the sake of the demo, </a:t>
-            </a:r>
-            <a:r>
-              <a:rPr lang="en-US"/>
-              <a:t>we will be focusing </a:t>
-            </a:r>
-            <a:r>
-              <a:rPr lang="en-US" dirty="0"/>
-              <a:t>on the doctors within the proximity of Plano, TX.</a:t>
-            </a:r>
+              <a:t> Object, we extract essential information of each doctor.</a:t>
+            </a:r>
+          </a:p>
+          <a:p>
+            <a:r>
+              <a:rPr lang="en-US" dirty="0"/>
+              <a:t>For the sake of the demo, we will be focusing on the doctors within the proximity of Plano, TX.</a:t>
+            </a:r>
+          </a:p>
+          <a:p>
+            <a:r>
+              <a:rPr lang="en-US" dirty="0"/>
+              <a:t>For our project, we have the doctors sorted into 14 categories, each category represents a major department in the field of physicians. For each doctor, we are looking for Name of the Doctor, address of clinic, hospital affiliations, education background, and certificate and licensure</a:t>
+            </a:r>
+          </a:p>
+          <a:p>
+            <a:endParaRPr lang="en-US" dirty="0"/>
           </a:p>
         </p:txBody>
       </p:sp>
@@ -3850,136 +3512,6 @@
     <p:extLst>
       <p:ext uri="{BB962C8B-B14F-4D97-AF65-F5344CB8AC3E}">
         <p14:creationId xmlns:p14="http://schemas.microsoft.com/office/powerpoint/2010/main" val="1108481472"/>
-      </p:ext>
-    </p:extLst>
-  </p:cSld>
-  <p:clrMapOvr>
-    <a:masterClrMapping/>
-  </p:clrMapOvr>
-</p:sld>
-</file>
-
-<file path=ppt/slides/slide3.xml><?xml version="1.0" encoding="utf-8"?>
-<p:sld xmlns:a="http://schemas.openxmlformats.org/drawingml/2006/main" xmlns:r="http://schemas.openxmlformats.org/officeDocument/2006/relationships" xmlns:p="http://schemas.openxmlformats.org/presentationml/2006/main">
-  <p:cSld>
-    <p:spTree>
-      <p:nvGrpSpPr>
-        <p:cNvPr id="1" name=""/>
-        <p:cNvGrpSpPr/>
-        <p:nvPr/>
-      </p:nvGrpSpPr>
-      <p:grpSpPr>
-        <a:xfrm>
-          <a:off x="0" y="0"/>
-          <a:ext cx="0" cy="0"/>
-          <a:chOff x="0" y="0"/>
-          <a:chExt cx="0" cy="0"/>
-        </a:xfrm>
-      </p:grpSpPr>
-      <p:sp>
-        <p:nvSpPr>
-          <p:cNvPr id="2" name="Title 1">
-            <a:extLst>
-              <a:ext uri="{FF2B5EF4-FFF2-40B4-BE49-F238E27FC236}">
-                <a16:creationId xmlns:a16="http://schemas.microsoft.com/office/drawing/2014/main" id="{70D18427-9173-77C8-C50D-5DE1893A1FA1}"/>
-              </a:ext>
-            </a:extLst>
-          </p:cNvPr>
-          <p:cNvSpPr>
-            <a:spLocks noGrp="1"/>
-          </p:cNvSpPr>
-          <p:nvPr>
-            <p:ph type="title"/>
-          </p:nvPr>
-        </p:nvSpPr>
-        <p:spPr/>
-        <p:txBody>
-          <a:bodyPr/>
-          <a:lstStyle/>
-          <a:p>
-            <a:r>
-              <a:rPr lang="en-US" dirty="0"/>
-              <a:t>Profiles of Doctors</a:t>
-            </a:r>
-          </a:p>
-        </p:txBody>
-      </p:sp>
-      <p:sp>
-        <p:nvSpPr>
-          <p:cNvPr id="3" name="Content Placeholder 2">
-            <a:extLst>
-              <a:ext uri="{FF2B5EF4-FFF2-40B4-BE49-F238E27FC236}">
-                <a16:creationId xmlns:a16="http://schemas.microsoft.com/office/drawing/2014/main" id="{4C9A9C51-5B9A-1EB6-BF1D-1836CDA866CB}"/>
-              </a:ext>
-            </a:extLst>
-          </p:cNvPr>
-          <p:cNvSpPr>
-            <a:spLocks noGrp="1"/>
-          </p:cNvSpPr>
-          <p:nvPr>
-            <p:ph idx="1"/>
-          </p:nvPr>
-        </p:nvSpPr>
-        <p:spPr/>
-        <p:txBody>
-          <a:bodyPr/>
-          <a:lstStyle/>
-          <a:p>
-            <a:r>
-              <a:rPr lang="en-US" dirty="0"/>
-              <a:t>For our project, we have the doctors sorted into 14 categories, each category represents a major department in the field of physicians.</a:t>
-            </a:r>
-          </a:p>
-          <a:p>
-            <a:r>
-              <a:rPr lang="en-US" dirty="0"/>
-              <a:t>For each Doctor, we are looking for the following information:</a:t>
-            </a:r>
-          </a:p>
-          <a:p>
-            <a:pPr lvl="1"/>
-            <a:r>
-              <a:rPr lang="en-US" dirty="0"/>
-              <a:t>Name of the Doctor</a:t>
-            </a:r>
-          </a:p>
-          <a:p>
-            <a:pPr lvl="1"/>
-            <a:r>
-              <a:rPr lang="en-US" dirty="0"/>
-              <a:t>The Address of the Clinic</a:t>
-            </a:r>
-          </a:p>
-          <a:p>
-            <a:pPr lvl="1"/>
-            <a:r>
-              <a:rPr lang="en-US" dirty="0"/>
-              <a:t>Hospital Affiliations</a:t>
-            </a:r>
-          </a:p>
-          <a:p>
-            <a:pPr lvl="1"/>
-            <a:r>
-              <a:rPr lang="en-US" dirty="0"/>
-              <a:t>Education Background</a:t>
-            </a:r>
-          </a:p>
-          <a:p>
-            <a:pPr lvl="1"/>
-            <a:r>
-              <a:rPr lang="en-US" dirty="0"/>
-              <a:t>Certificate and Licensure</a:t>
-            </a:r>
-          </a:p>
-          <a:p>
-            <a:endParaRPr lang="en-US" dirty="0"/>
-          </a:p>
-        </p:txBody>
-      </p:sp>
-    </p:spTree>
-    <p:extLst>
-      <p:ext uri="{BB962C8B-B14F-4D97-AF65-F5344CB8AC3E}">
-        <p14:creationId xmlns:p14="http://schemas.microsoft.com/office/powerpoint/2010/main" val="1933280008"/>
       </p:ext>
     </p:extLst>
   </p:cSld>
